--- a/docs/diagrams/Bel’s Copy - Model.pptx
+++ b/docs/diagrams/Bel’s Copy - Model.pptx
@@ -291,7 +291,7 @@
             <a:fld id="{8BE39DA5-35D3-477E-94B6-0B67F746D646}" type="datetimeFigureOut">
               <a:rPr lang="en-US" smtClean="0"/>
               <a:pPr/>
-              <a:t>10/19/2016</a:t>
+              <a:t>10/20/2016</a:t>
             </a:fld>
             <a:endParaRPr lang="en-US"/>
           </a:p>
@@ -458,7 +458,7 @@
             <a:fld id="{8BE39DA5-35D3-477E-94B6-0B67F746D646}" type="datetimeFigureOut">
               <a:rPr lang="en-US" smtClean="0"/>
               <a:pPr/>
-              <a:t>10/19/2016</a:t>
+              <a:t>10/20/2016</a:t>
             </a:fld>
             <a:endParaRPr lang="en-US"/>
           </a:p>
@@ -635,7 +635,7 @@
             <a:fld id="{8BE39DA5-35D3-477E-94B6-0B67F746D646}" type="datetimeFigureOut">
               <a:rPr lang="en-US" smtClean="0"/>
               <a:pPr/>
-              <a:t>10/19/2016</a:t>
+              <a:t>10/20/2016</a:t>
             </a:fld>
             <a:endParaRPr lang="en-US"/>
           </a:p>
@@ -802,7 +802,7 @@
             <a:fld id="{8BE39DA5-35D3-477E-94B6-0B67F746D646}" type="datetimeFigureOut">
               <a:rPr lang="en-US" smtClean="0"/>
               <a:pPr/>
-              <a:t>10/19/2016</a:t>
+              <a:t>10/20/2016</a:t>
             </a:fld>
             <a:endParaRPr lang="en-US"/>
           </a:p>
@@ -1045,7 +1045,7 @@
             <a:fld id="{8BE39DA5-35D3-477E-94B6-0B67F746D646}" type="datetimeFigureOut">
               <a:rPr lang="en-US" smtClean="0"/>
               <a:pPr/>
-              <a:t>10/19/2016</a:t>
+              <a:t>10/20/2016</a:t>
             </a:fld>
             <a:endParaRPr lang="en-US"/>
           </a:p>
@@ -1330,7 +1330,7 @@
             <a:fld id="{8BE39DA5-35D3-477E-94B6-0B67F746D646}" type="datetimeFigureOut">
               <a:rPr lang="en-US" smtClean="0"/>
               <a:pPr/>
-              <a:t>10/19/2016</a:t>
+              <a:t>10/20/2016</a:t>
             </a:fld>
             <a:endParaRPr lang="en-US"/>
           </a:p>
@@ -1749,7 +1749,7 @@
             <a:fld id="{8BE39DA5-35D3-477E-94B6-0B67F746D646}" type="datetimeFigureOut">
               <a:rPr lang="en-US" smtClean="0"/>
               <a:pPr/>
-              <a:t>10/19/2016</a:t>
+              <a:t>10/20/2016</a:t>
             </a:fld>
             <a:endParaRPr lang="en-US"/>
           </a:p>
@@ -1864,7 +1864,7 @@
             <a:fld id="{8BE39DA5-35D3-477E-94B6-0B67F746D646}" type="datetimeFigureOut">
               <a:rPr lang="en-US" smtClean="0"/>
               <a:pPr/>
-              <a:t>10/19/2016</a:t>
+              <a:t>10/20/2016</a:t>
             </a:fld>
             <a:endParaRPr lang="en-US"/>
           </a:p>
@@ -1956,7 +1956,7 @@
             <a:fld id="{8BE39DA5-35D3-477E-94B6-0B67F746D646}" type="datetimeFigureOut">
               <a:rPr lang="en-US" smtClean="0"/>
               <a:pPr/>
-              <a:t>10/19/2016</a:t>
+              <a:t>10/20/2016</a:t>
             </a:fld>
             <a:endParaRPr lang="en-US"/>
           </a:p>
@@ -2230,7 +2230,7 @@
             <a:fld id="{8BE39DA5-35D3-477E-94B6-0B67F746D646}" type="datetimeFigureOut">
               <a:rPr lang="en-US" smtClean="0"/>
               <a:pPr/>
-              <a:t>10/19/2016</a:t>
+              <a:t>10/20/2016</a:t>
             </a:fld>
             <a:endParaRPr lang="en-US"/>
           </a:p>
@@ -2480,7 +2480,7 @@
             <a:fld id="{8BE39DA5-35D3-477E-94B6-0B67F746D646}" type="datetimeFigureOut">
               <a:rPr lang="en-US" smtClean="0"/>
               <a:pPr/>
-              <a:t>10/19/2016</a:t>
+              <a:t>10/20/2016</a:t>
             </a:fld>
             <a:endParaRPr lang="en-US"/>
           </a:p>
@@ -2690,7 +2690,7 @@
             <a:fld id="{8BE39DA5-35D3-477E-94B6-0B67F746D646}" type="datetimeFigureOut">
               <a:rPr lang="en-US" smtClean="0"/>
               <a:pPr/>
-              <a:t>10/19/2016</a:t>
+              <a:t>10/20/2016</a:t>
             </a:fld>
             <a:endParaRPr lang="en-US"/>
           </a:p>
@@ -3140,7 +3140,7 @@
         </p:nvSpPr>
         <p:spPr>
           <a:xfrm>
-            <a:off x="228600" y="304800"/>
+            <a:off x="228600" y="228600"/>
             <a:ext cx="8763000" cy="6019800"/>
           </a:xfrm>
           <a:prstGeom prst="roundRect">
@@ -4442,62 +4442,6 @@
       </p:sp>
       <p:sp>
         <p:nvSpPr>
-          <p:cNvPr id="76" name="Rectangle 8"/>
-          <p:cNvSpPr/>
-          <p:nvPr/>
-        </p:nvSpPr>
-        <p:spPr>
-          <a:xfrm>
-            <a:off x="7620000" y="4572000"/>
-            <a:ext cx="708186" cy="285783"/>
-          </a:xfrm>
-          <a:prstGeom prst="rect">
-            <a:avLst/>
-          </a:prstGeom>
-          <a:ln w="19050">
-            <a:solidFill>
-              <a:srgbClr val="7030A0"/>
-            </a:solidFill>
-          </a:ln>
-          <a:effectLst/>
-        </p:spPr>
-        <p:style>
-          <a:lnRef idx="1">
-            <a:schemeClr val="accent4"/>
-          </a:lnRef>
-          <a:fillRef idx="2">
-            <a:schemeClr val="accent4"/>
-          </a:fillRef>
-          <a:effectRef idx="1">
-            <a:schemeClr val="accent4"/>
-          </a:effectRef>
-          <a:fontRef idx="minor">
-            <a:schemeClr val="dk1"/>
-          </a:fontRef>
-        </p:style>
-        <p:txBody>
-          <a:bodyPr rtlCol="0" anchor="ctr"/>
-          <a:lstStyle/>
-          <a:p>
-            <a:pPr algn="ctr"/>
-            <a:r>
-              <a:rPr lang="en-US" sz="1050" dirty="0" smtClean="0">
-                <a:solidFill>
-                  <a:srgbClr val="7030A0"/>
-                </a:solidFill>
-              </a:rPr>
-              <a:t>Name</a:t>
-            </a:r>
-            <a:endParaRPr lang="en-SG" sz="1050" dirty="0">
-              <a:solidFill>
-                <a:srgbClr val="7030A0"/>
-              </a:solidFill>
-            </a:endParaRPr>
-          </a:p>
-        </p:txBody>
-      </p:sp>
-      <p:sp>
-        <p:nvSpPr>
           <p:cNvPr id="78" name="Flowchart: Decision 96"/>
           <p:cNvSpPr/>
           <p:nvPr/>
@@ -4934,44 +4878,6 @@
           </a:p>
         </p:txBody>
       </p:sp>
-      <p:cxnSp>
-        <p:nvCxnSpPr>
-          <p:cNvPr id="156" name="Straight Arrow Connector 155"/>
-          <p:cNvCxnSpPr>
-            <a:stCxn id="78" idx="3"/>
-          </p:cNvCxnSpPr>
-          <p:nvPr/>
-        </p:nvCxnSpPr>
-        <p:spPr>
-          <a:xfrm flipV="1">
-            <a:off x="7246448" y="4724400"/>
-            <a:ext cx="373552" cy="10490"/>
-          </a:xfrm>
-          <a:prstGeom prst="straightConnector1">
-            <a:avLst/>
-          </a:prstGeom>
-          <a:ln w="19050">
-            <a:solidFill>
-              <a:schemeClr val="accent4"/>
-            </a:solidFill>
-            <a:tailEnd type="arrow"/>
-          </a:ln>
-        </p:spPr>
-        <p:style>
-          <a:lnRef idx="1">
-            <a:schemeClr val="accent1"/>
-          </a:lnRef>
-          <a:fillRef idx="0">
-            <a:schemeClr val="accent1"/>
-          </a:fillRef>
-          <a:effectRef idx="0">
-            <a:schemeClr val="accent1"/>
-          </a:effectRef>
-          <a:fontRef idx="minor">
-            <a:schemeClr val="tx1"/>
-          </a:fontRef>
-        </p:style>
-      </p:cxnSp>
       <p:cxnSp>
         <p:nvCxnSpPr>
           <p:cNvPr id="160" name="Straight Arrow Connector 159"/>
@@ -5286,7 +5192,7 @@
         </p:nvSpPr>
         <p:spPr>
           <a:xfrm>
-            <a:off x="7620000" y="3124200"/>
+            <a:off x="8077200" y="3124200"/>
             <a:ext cx="708186" cy="285783"/>
           </a:xfrm>
           <a:prstGeom prst="rect">
@@ -5425,7 +5331,7 @@
         </p:nvSpPr>
         <p:spPr>
           <a:xfrm>
-            <a:off x="7620000" y="3581400"/>
+            <a:off x="7597614" y="3581400"/>
             <a:ext cx="708186" cy="285783"/>
           </a:xfrm>
           <a:prstGeom prst="rect">
@@ -5485,11 +5391,11 @@
         <p:spPr>
           <a:xfrm flipV="1">
             <a:off x="7246448" y="3267092"/>
-            <a:ext cx="373552" cy="248598"/>
+            <a:ext cx="830752" cy="248598"/>
           </a:xfrm>
           <a:prstGeom prst="bentConnector3">
             <a:avLst>
-              <a:gd name="adj1" fmla="val 50000"/>
+              <a:gd name="adj1" fmla="val 22151"/>
             </a:avLst>
           </a:prstGeom>
           <a:ln w="19050">
@@ -5528,7 +5434,7 @@
         <p:spPr>
           <a:xfrm>
             <a:off x="7246448" y="3515690"/>
-            <a:ext cx="373552" cy="208602"/>
+            <a:ext cx="351166" cy="208602"/>
           </a:xfrm>
           <a:prstGeom prst="bentConnector3">
             <a:avLst>
@@ -5829,62 +5735,6 @@
       </p:sp>
       <p:sp>
         <p:nvSpPr>
-          <p:cNvPr id="198" name="Rectangle 8"/>
-          <p:cNvSpPr/>
-          <p:nvPr/>
-        </p:nvSpPr>
-        <p:spPr>
-          <a:xfrm>
-            <a:off x="7620000" y="1314417"/>
-            <a:ext cx="708186" cy="285783"/>
-          </a:xfrm>
-          <a:prstGeom prst="rect">
-            <a:avLst/>
-          </a:prstGeom>
-          <a:ln w="19050">
-            <a:solidFill>
-              <a:srgbClr val="7030A0"/>
-            </a:solidFill>
-          </a:ln>
-          <a:effectLst/>
-        </p:spPr>
-        <p:style>
-          <a:lnRef idx="1">
-            <a:schemeClr val="accent4"/>
-          </a:lnRef>
-          <a:fillRef idx="2">
-            <a:schemeClr val="accent4"/>
-          </a:fillRef>
-          <a:effectRef idx="1">
-            <a:schemeClr val="accent4"/>
-          </a:effectRef>
-          <a:fontRef idx="minor">
-            <a:schemeClr val="dk1"/>
-          </a:fontRef>
-        </p:style>
-        <p:txBody>
-          <a:bodyPr rtlCol="0" anchor="ctr"/>
-          <a:lstStyle/>
-          <a:p>
-            <a:pPr algn="ctr"/>
-            <a:r>
-              <a:rPr lang="en-US" sz="1050" dirty="0" smtClean="0">
-                <a:solidFill>
-                  <a:srgbClr val="7030A0"/>
-                </a:solidFill>
-              </a:rPr>
-              <a:t>Name</a:t>
-            </a:r>
-            <a:endParaRPr lang="en-SG" sz="1050" dirty="0">
-              <a:solidFill>
-                <a:srgbClr val="7030A0"/>
-              </a:solidFill>
-            </a:endParaRPr>
-          </a:p>
-        </p:txBody>
-      </p:sp>
-      <p:sp>
-        <p:nvSpPr>
           <p:cNvPr id="199" name="Flowchart: Decision 96"/>
           <p:cNvSpPr/>
           <p:nvPr/>
@@ -5968,80 +5818,22 @@
           </a:fontRef>
         </p:style>
       </p:cxnSp>
-      <p:sp>
-        <p:nvSpPr>
-          <p:cNvPr id="201" name="Rectangle 8"/>
-          <p:cNvSpPr/>
-          <p:nvPr/>
-        </p:nvSpPr>
-        <p:spPr>
-          <a:xfrm>
-            <a:off x="7620000" y="2057400"/>
-            <a:ext cx="708186" cy="285783"/>
-          </a:xfrm>
-          <a:prstGeom prst="rect">
-            <a:avLst/>
-          </a:prstGeom>
-          <a:ln w="19050">
-            <a:solidFill>
-              <a:srgbClr val="7030A0"/>
-            </a:solidFill>
-          </a:ln>
-          <a:effectLst/>
-        </p:spPr>
-        <p:style>
-          <a:lnRef idx="1">
-            <a:schemeClr val="accent4"/>
-          </a:lnRef>
-          <a:fillRef idx="2">
-            <a:schemeClr val="accent4"/>
-          </a:fillRef>
-          <a:effectRef idx="1">
-            <a:schemeClr val="accent4"/>
-          </a:effectRef>
-          <a:fontRef idx="minor">
-            <a:schemeClr val="dk1"/>
-          </a:fontRef>
-        </p:style>
-        <p:txBody>
-          <a:bodyPr rtlCol="0" anchor="ctr"/>
-          <a:lstStyle/>
-          <a:p>
-            <a:pPr algn="ctr"/>
-            <a:r>
-              <a:rPr lang="en-US" sz="1050" dirty="0" smtClean="0">
-                <a:solidFill>
-                  <a:srgbClr val="7030A0"/>
-                </a:solidFill>
-              </a:rPr>
-              <a:t>End</a:t>
-            </a:r>
-            <a:endParaRPr lang="en-SG" sz="1050" dirty="0">
-              <a:solidFill>
-                <a:srgbClr val="7030A0"/>
-              </a:solidFill>
-            </a:endParaRPr>
-          </a:p>
-        </p:txBody>
-      </p:sp>
       <p:cxnSp>
         <p:nvCxnSpPr>
           <p:cNvPr id="202" name="Elbow Connector 201"/>
           <p:cNvCxnSpPr>
             <a:stCxn id="199" idx="3"/>
-            <a:endCxn id="198" idx="1"/>
+            <a:endCxn id="168" idx="0"/>
           </p:cNvCxnSpPr>
           <p:nvPr/>
         </p:nvCxnSpPr>
         <p:spPr>
-          <a:xfrm flipV="1">
-            <a:off x="7322648" y="1457309"/>
-            <a:ext cx="297352" cy="381981"/>
-          </a:xfrm>
-          <a:prstGeom prst="bentConnector3">
-            <a:avLst>
-              <a:gd name="adj1" fmla="val 50000"/>
-            </a:avLst>
+          <a:xfrm>
+            <a:off x="7322648" y="1839290"/>
+            <a:ext cx="1108645" cy="1284910"/>
+          </a:xfrm>
+          <a:prstGeom prst="curvedConnector2">
+            <a:avLst/>
           </a:prstGeom>
           <a:ln w="19050">
             <a:solidFill>
@@ -6072,14 +5864,14 @@
           <p:cNvPr id="203" name="Elbow Connector 202"/>
           <p:cNvCxnSpPr>
             <a:stCxn id="199" idx="3"/>
-            <a:endCxn id="201" idx="1"/>
+            <a:endCxn id="215" idx="1"/>
           </p:cNvCxnSpPr>
           <p:nvPr/>
         </p:nvCxnSpPr>
         <p:spPr>
-          <a:xfrm>
-            <a:off x="7322648" y="1839290"/>
-            <a:ext cx="297352" cy="361002"/>
+          <a:xfrm flipV="1">
+            <a:off x="7322648" y="1362092"/>
+            <a:ext cx="678352" cy="477198"/>
           </a:xfrm>
           <a:prstGeom prst="bentConnector3">
             <a:avLst>
@@ -6115,21 +5907,23 @@
           <p:cNvPr id="213" name="Straight Arrow Connector 212"/>
           <p:cNvCxnSpPr>
             <a:stCxn id="199" idx="3"/>
-            <a:endCxn id="215" idx="1"/>
+            <a:endCxn id="201" idx="1"/>
           </p:cNvCxnSpPr>
           <p:nvPr/>
         </p:nvCxnSpPr>
         <p:spPr>
           <a:xfrm flipV="1">
             <a:off x="7322648" y="1838309"/>
-            <a:ext cx="297352" cy="981"/>
+            <a:ext cx="655966" cy="981"/>
           </a:xfrm>
           <a:prstGeom prst="straightConnector1">
             <a:avLst/>
           </a:prstGeom>
           <a:ln w="19050">
             <a:solidFill>
-              <a:schemeClr val="accent4"/>
+              <a:schemeClr val="accent4">
+                <a:lumMod val="75000"/>
+              </a:schemeClr>
             </a:solidFill>
             <a:tailEnd type="arrow"/>
           </a:ln>
@@ -6157,7 +5951,7 @@
         </p:nvSpPr>
         <p:spPr>
           <a:xfrm>
-            <a:off x="7620000" y="1695417"/>
+            <a:off x="8001000" y="1219200"/>
             <a:ext cx="708186" cy="285783"/>
           </a:xfrm>
           <a:prstGeom prst="rect">
@@ -6617,10 +6411,107 @@
           </a:fontRef>
         </p:style>
       </p:cxnSp>
+      <p:sp>
+        <p:nvSpPr>
+          <p:cNvPr id="201" name="Rectangle 8"/>
+          <p:cNvSpPr/>
+          <p:nvPr/>
+        </p:nvSpPr>
+        <p:spPr>
+          <a:xfrm>
+            <a:off x="7978614" y="1695417"/>
+            <a:ext cx="708186" cy="285783"/>
+          </a:xfrm>
+          <a:prstGeom prst="rect">
+            <a:avLst/>
+          </a:prstGeom>
+          <a:ln w="19050">
+            <a:solidFill>
+              <a:srgbClr val="7030A0"/>
+            </a:solidFill>
+          </a:ln>
+          <a:effectLst/>
+        </p:spPr>
+        <p:style>
+          <a:lnRef idx="1">
+            <a:schemeClr val="accent4"/>
+          </a:lnRef>
+          <a:fillRef idx="2">
+            <a:schemeClr val="accent4"/>
+          </a:fillRef>
+          <a:effectRef idx="1">
+            <a:schemeClr val="accent4"/>
+          </a:effectRef>
+          <a:fontRef idx="minor">
+            <a:schemeClr val="dk1"/>
+          </a:fontRef>
+        </p:style>
+        <p:txBody>
+          <a:bodyPr rtlCol="0" anchor="ctr"/>
+          <a:lstStyle/>
+          <a:p>
+            <a:pPr algn="ctr"/>
+            <a:r>
+              <a:rPr lang="en-US" sz="1050" dirty="0" smtClean="0">
+                <a:solidFill>
+                  <a:srgbClr val="7030A0"/>
+                </a:solidFill>
+              </a:rPr>
+              <a:t>End</a:t>
+            </a:r>
+            <a:endParaRPr lang="en-SG" sz="1050" dirty="0">
+              <a:solidFill>
+                <a:srgbClr val="7030A0"/>
+              </a:solidFill>
+            </a:endParaRPr>
+          </a:p>
+        </p:txBody>
+      </p:sp>
+      <p:cxnSp>
+        <p:nvCxnSpPr>
+          <p:cNvPr id="123" name="Elbow Connector 122"/>
+          <p:cNvCxnSpPr>
+            <a:stCxn id="78" idx="3"/>
+            <a:endCxn id="168" idx="2"/>
+          </p:cNvCxnSpPr>
+          <p:nvPr/>
+        </p:nvCxnSpPr>
+        <p:spPr>
+          <a:xfrm flipV="1">
+            <a:off x="7246448" y="3409983"/>
+            <a:ext cx="1184845" cy="1324907"/>
+          </a:xfrm>
+          <a:prstGeom prst="bentConnector2">
+            <a:avLst/>
+          </a:prstGeom>
+          <a:ln w="19050">
+            <a:solidFill>
+              <a:srgbClr val="7030A0"/>
+            </a:solidFill>
+            <a:headEnd type="none" w="med" len="med"/>
+            <a:tailEnd type="arrow" w="med" len="med"/>
+          </a:ln>
+          <a:effectLst/>
+        </p:spPr>
+        <p:style>
+          <a:lnRef idx="1">
+            <a:schemeClr val="accent2"/>
+          </a:lnRef>
+          <a:fillRef idx="2">
+            <a:schemeClr val="accent2"/>
+          </a:fillRef>
+          <a:effectRef idx="1">
+            <a:schemeClr val="accent2"/>
+          </a:effectRef>
+          <a:fontRef idx="minor">
+            <a:schemeClr val="dk1"/>
+          </a:fontRef>
+        </p:style>
+      </p:cxnSp>
     </p:spTree>
     <p:extLst>
       <p:ext uri="{BB962C8B-B14F-4D97-AF65-F5344CB8AC3E}">
-        <p14:creationId xmlns="" xmlns:p14="http://schemas.microsoft.com/office/powerpoint/2010/main" val="2396968029"/>
+        <p14:creationId xmlns:p14="http://schemas.microsoft.com/office/powerpoint/2010/main" xmlns="" val="2396968029"/>
       </p:ext>
     </p:extLst>
   </p:cSld>
